--- a/문서/화면 디자인_이승현(04.29).pptx
+++ b/문서/화면 디자인_이승현(04.29).pptx
@@ -3995,7 +3995,7 @@
     <mc:Choice Requires="p14">
       <p:transition/>
     </mc:Choice>
-    <mc:Fallback xmlns:dsp="http://schemas.microsoft.com/office/drawing/2008/diagram" xmlns:dgm="http://schemas.openxmlformats.org/drawingml/2006/diagram" xmlns:c="http://schemas.openxmlformats.org/drawingml/2006/chart" xmlns="">
+    <mc:Fallback xmlns="" xmlns:c="http://schemas.openxmlformats.org/drawingml/2006/chart" xmlns:dgm="http://schemas.openxmlformats.org/drawingml/2006/diagram" xmlns:dsp="http://schemas.microsoft.com/office/drawing/2008/diagram">
       <p:transition/>
     </mc:Fallback>
   </mc:AlternateContent>
@@ -27866,13 +27866,42 @@
           <a:p>
             <a:pPr algn="ctr"/>
             <a:r>
-              <a:rPr lang="ko-KR" altLang="en-US">
+              <a:rPr lang="ko-KR" altLang="en-US" dirty="0">
                 <a:solidFill>
                   <a:sysClr val="windowText" lastClr="000000"/>
                 </a:solidFill>
               </a:rPr>
               <a:t>생산현황</a:t>
             </a:r>
+            <a:endParaRPr lang="en-US" altLang="ko-KR" dirty="0">
+              <a:solidFill>
+                <a:sysClr val="windowText" lastClr="000000"/>
+              </a:solidFill>
+            </a:endParaRPr>
+          </a:p>
+          <a:p>
+            <a:pPr algn="ctr"/>
+            <a:r>
+              <a:rPr lang="en-US" altLang="ko-KR" dirty="0">
+                <a:solidFill>
+                  <a:sysClr val="windowText" lastClr="000000"/>
+                </a:solidFill>
+              </a:rPr>
+              <a:t>/</a:t>
+            </a:r>
+            <a:r>
+              <a:rPr lang="en-US" altLang="ko-KR" dirty="0" err="1">
+                <a:solidFill>
+                  <a:sysClr val="windowText" lastClr="000000"/>
+                </a:solidFill>
+              </a:rPr>
+              <a:t>pps_mor</a:t>
+            </a:r>
+            <a:endParaRPr lang="ko-KR" altLang="en-US" dirty="0">
+              <a:solidFill>
+                <a:sysClr val="windowText" lastClr="000000"/>
+              </a:solidFill>
+            </a:endParaRPr>
           </a:p>
         </p:txBody>
       </p:sp>
@@ -27927,14 +27956,14 @@
           <a:p>
             <a:pPr algn="ctr"/>
             <a:r>
-              <a:rPr lang="ko-KR" altLang="en-US">
+              <a:rPr lang="ko-KR" altLang="en-US" dirty="0">
                 <a:solidFill>
                   <a:sysClr val="windowText" lastClr="000000"/>
                 </a:solidFill>
               </a:rPr>
               <a:t>생산부 </a:t>
             </a:r>
-            <a:endParaRPr lang="en-US" altLang="ko-KR">
+            <a:endParaRPr lang="en-US" altLang="ko-KR" dirty="0">
               <a:solidFill>
                 <a:sysClr val="windowText" lastClr="000000"/>
               </a:solidFill>
@@ -27943,13 +27972,42 @@
           <a:p>
             <a:pPr algn="ctr"/>
             <a:r>
-              <a:rPr lang="ko-KR" altLang="en-US">
+              <a:rPr lang="ko-KR" altLang="en-US" dirty="0">
                 <a:solidFill>
                   <a:sysClr val="windowText" lastClr="000000"/>
                 </a:solidFill>
               </a:rPr>
               <a:t>모니터링</a:t>
             </a:r>
+            <a:endParaRPr lang="en-US" altLang="ko-KR" dirty="0">
+              <a:solidFill>
+                <a:sysClr val="windowText" lastClr="000000"/>
+              </a:solidFill>
+            </a:endParaRPr>
+          </a:p>
+          <a:p>
+            <a:pPr algn="ctr"/>
+            <a:r>
+              <a:rPr lang="en-US" altLang="ko-KR" dirty="0">
+                <a:solidFill>
+                  <a:sysClr val="windowText" lastClr="000000"/>
+                </a:solidFill>
+              </a:rPr>
+              <a:t>/</a:t>
+            </a:r>
+            <a:r>
+              <a:rPr lang="en-US" altLang="ko-KR" dirty="0" err="1">
+                <a:solidFill>
+                  <a:sysClr val="windowText" lastClr="000000"/>
+                </a:solidFill>
+              </a:rPr>
+              <a:t>pro_mor</a:t>
+            </a:r>
+            <a:endParaRPr lang="ko-KR" altLang="en-US" dirty="0">
+              <a:solidFill>
+                <a:sysClr val="windowText" lastClr="000000"/>
+              </a:solidFill>
+            </a:endParaRPr>
           </a:p>
         </p:txBody>
       </p:sp>
@@ -28010,9 +28068,39 @@
                 </a:solidFill>
                 <a:latin typeface="General Sans"/>
               </a:rPr>
-              <a:t>사원관리</a:t>
-            </a:r>
-            <a:endParaRPr lang="ko-KR" altLang="en-US">
+              <a:t>사원정보</a:t>
+            </a:r>
+            <a:endParaRPr lang="en-US" altLang="ko-KR" dirty="0">
+              <a:solidFill>
+                <a:schemeClr val="tx1"/>
+              </a:solidFill>
+              <a:latin typeface="General Sans"/>
+            </a:endParaRPr>
+          </a:p>
+          <a:p>
+            <a:pPr algn="ctr"/>
+            <a:r>
+              <a:rPr lang="en-US" altLang="ko-KR" dirty="0">
+                <a:solidFill>
+                  <a:schemeClr val="tx1"/>
+                </a:solidFill>
+                <a:latin typeface="General Sans"/>
+              </a:rPr>
+              <a:t>/human_</a:t>
+            </a:r>
+          </a:p>
+          <a:p>
+            <a:pPr algn="ctr"/>
+            <a:r>
+              <a:rPr lang="en-US" altLang="ko-KR" dirty="0">
+                <a:solidFill>
+                  <a:schemeClr val="tx1"/>
+                </a:solidFill>
+                <a:latin typeface="General Sans"/>
+              </a:rPr>
+              <a:t>resources</a:t>
+            </a:r>
+            <a:endParaRPr lang="ko-KR" altLang="en-US" dirty="0">
               <a:solidFill>
                 <a:schemeClr val="tx1"/>
               </a:solidFill>
@@ -28071,14 +28159,14 @@
           <a:p>
             <a:pPr algn="ctr"/>
             <a:r>
-              <a:rPr lang="ko-KR" altLang="en-US">
+              <a:rPr lang="ko-KR" altLang="en-US" dirty="0">
                 <a:solidFill>
                   <a:sysClr val="windowText" lastClr="000000"/>
                 </a:solidFill>
               </a:rPr>
               <a:t>개인정보</a:t>
             </a:r>
-            <a:endParaRPr lang="en-US" altLang="ko-KR">
+            <a:endParaRPr lang="en-US" altLang="ko-KR" dirty="0">
               <a:solidFill>
                 <a:sysClr val="windowText" lastClr="000000"/>
               </a:solidFill>
@@ -28087,13 +28175,34 @@
           <a:p>
             <a:pPr algn="ctr"/>
             <a:r>
-              <a:rPr lang="ko-KR" altLang="en-US">
+              <a:rPr lang="ko-KR" altLang="en-US" dirty="0">
                 <a:solidFill>
                   <a:sysClr val="windowText" lastClr="000000"/>
                 </a:solidFill>
               </a:rPr>
               <a:t>관리</a:t>
             </a:r>
+            <a:endParaRPr lang="en-US" altLang="ko-KR" dirty="0">
+              <a:solidFill>
+                <a:sysClr val="windowText" lastClr="000000"/>
+              </a:solidFill>
+            </a:endParaRPr>
+          </a:p>
+          <a:p>
+            <a:pPr algn="ctr"/>
+            <a:r>
+              <a:rPr lang="en-US" altLang="ko-KR" dirty="0">
+                <a:solidFill>
+                  <a:sysClr val="windowText" lastClr="000000"/>
+                </a:solidFill>
+              </a:rPr>
+              <a:t>/personal</a:t>
+            </a:r>
+            <a:endParaRPr lang="ko-KR" altLang="en-US" dirty="0">
+              <a:solidFill>
+                <a:sysClr val="windowText" lastClr="000000"/>
+              </a:solidFill>
+            </a:endParaRPr>
           </a:p>
         </p:txBody>
       </p:sp>
@@ -30218,7 +30327,7 @@
     <mc:Choice Requires="p14">
       <p:transition/>
     </mc:Choice>
-    <mc:Fallback xmlns:dsp="http://schemas.microsoft.com/office/drawing/2008/diagram" xmlns:dgm="http://schemas.openxmlformats.org/drawingml/2006/diagram" xmlns:c="http://schemas.openxmlformats.org/drawingml/2006/chart" xmlns="">
+    <mc:Fallback xmlns="" xmlns:c="http://schemas.openxmlformats.org/drawingml/2006/chart" xmlns:dgm="http://schemas.openxmlformats.org/drawingml/2006/diagram" xmlns:dsp="http://schemas.microsoft.com/office/drawing/2008/diagram">
       <p:transition/>
     </mc:Fallback>
   </mc:AlternateContent>
@@ -31369,7 +31478,7 @@
     <mc:Choice Requires="p14">
       <p:transition/>
     </mc:Choice>
-    <mc:Fallback xmlns:dsp="http://schemas.microsoft.com/office/drawing/2008/diagram" xmlns:dgm="http://schemas.openxmlformats.org/drawingml/2006/diagram" xmlns:c="http://schemas.openxmlformats.org/drawingml/2006/chart" xmlns="">
+    <mc:Fallback xmlns="" xmlns:c="http://schemas.openxmlformats.org/drawingml/2006/chart" xmlns:dgm="http://schemas.openxmlformats.org/drawingml/2006/diagram" xmlns:dsp="http://schemas.microsoft.com/office/drawing/2008/diagram">
       <p:transition/>
     </mc:Fallback>
   </mc:AlternateContent>
@@ -32223,7 +32332,7 @@
     <mc:Choice Requires="p14">
       <p:transition/>
     </mc:Choice>
-    <mc:Fallback xmlns:dsp="http://schemas.microsoft.com/office/drawing/2008/diagram" xmlns:dgm="http://schemas.openxmlformats.org/drawingml/2006/diagram" xmlns:c="http://schemas.openxmlformats.org/drawingml/2006/chart" xmlns="">
+    <mc:Fallback xmlns="" xmlns:c="http://schemas.openxmlformats.org/drawingml/2006/chart" xmlns:dgm="http://schemas.openxmlformats.org/drawingml/2006/diagram" xmlns:dsp="http://schemas.microsoft.com/office/drawing/2008/diagram">
       <p:transition/>
     </mc:Fallback>
   </mc:AlternateContent>
